--- a/Bonvision/Maria/Bonvision_guide_figures/Full figure with annotation.pptx
+++ b/Bonvision/Maria/Bonvision_guide_figures/Full figure with annotation.pptx
@@ -3876,6 +3876,892 @@
           <a:chExt cx="0" cy="0"/>
         </a:xfrm>
       </p:grpSpPr>
+      <p:sp>
+        <p:nvSpPr>
+          <p:cNvPr id="22" name="Rectangle 21">
+            <a:extLst>
+              <a:ext uri="{FF2B5EF4-FFF2-40B4-BE49-F238E27FC236}">
+                <a16:creationId xmlns:a16="http://schemas.microsoft.com/office/drawing/2014/main" id="{9A40F7CD-1892-4D3F-ABE3-B2D2626EE7A0}"/>
+              </a:ext>
+            </a:extLst>
+          </p:cNvPr>
+          <p:cNvSpPr/>
+          <p:nvPr/>
+        </p:nvSpPr>
+        <p:spPr>
+          <a:xfrm>
+            <a:off x="4376248" y="6242302"/>
+            <a:ext cx="3439498" cy="1105760"/>
+          </a:xfrm>
+          <a:prstGeom prst="rect">
+            <a:avLst/>
+          </a:prstGeom>
+          <a:solidFill>
+            <a:schemeClr val="bg1"/>
+          </a:solidFill>
+          <a:ln>
+            <a:solidFill>
+              <a:schemeClr val="bg1"/>
+            </a:solidFill>
+          </a:ln>
+        </p:spPr>
+        <p:style>
+          <a:lnRef idx="2">
+            <a:schemeClr val="accent1">
+              <a:shade val="50000"/>
+            </a:schemeClr>
+          </a:lnRef>
+          <a:fillRef idx="1">
+            <a:schemeClr val="accent1"/>
+          </a:fillRef>
+          <a:effectRef idx="0">
+            <a:schemeClr val="accent1"/>
+          </a:effectRef>
+          <a:fontRef idx="minor">
+            <a:schemeClr val="lt1"/>
+          </a:fontRef>
+        </p:style>
+        <p:txBody>
+          <a:bodyPr rtlCol="0" anchor="ctr"/>
+          <a:lstStyle/>
+          <a:p>
+            <a:pPr algn="ctr"/>
+            <a:endParaRPr lang="en-GB"/>
+          </a:p>
+        </p:txBody>
+      </p:sp>
+      <p:sp>
+        <p:nvSpPr>
+          <p:cNvPr id="21" name="Rectangle 20">
+            <a:extLst>
+              <a:ext uri="{FF2B5EF4-FFF2-40B4-BE49-F238E27FC236}">
+                <a16:creationId xmlns:a16="http://schemas.microsoft.com/office/drawing/2014/main" id="{5E311C10-66AE-4CF7-B0BE-E2C8AB06B98A}"/>
+              </a:ext>
+            </a:extLst>
+          </p:cNvPr>
+          <p:cNvSpPr/>
+          <p:nvPr/>
+        </p:nvSpPr>
+        <p:spPr>
+          <a:xfrm>
+            <a:off x="3593054" y="-778705"/>
+            <a:ext cx="4378362" cy="1105760"/>
+          </a:xfrm>
+          <a:prstGeom prst="rect">
+            <a:avLst/>
+          </a:prstGeom>
+          <a:solidFill>
+            <a:schemeClr val="bg1"/>
+          </a:solidFill>
+          <a:ln>
+            <a:solidFill>
+              <a:schemeClr val="bg1"/>
+            </a:solidFill>
+          </a:ln>
+        </p:spPr>
+        <p:style>
+          <a:lnRef idx="2">
+            <a:schemeClr val="accent1">
+              <a:shade val="50000"/>
+            </a:schemeClr>
+          </a:lnRef>
+          <a:fillRef idx="1">
+            <a:schemeClr val="accent1"/>
+          </a:fillRef>
+          <a:effectRef idx="0">
+            <a:schemeClr val="accent1"/>
+          </a:effectRef>
+          <a:fontRef idx="minor">
+            <a:schemeClr val="lt1"/>
+          </a:fontRef>
+        </p:style>
+        <p:txBody>
+          <a:bodyPr rtlCol="0" anchor="ctr"/>
+          <a:lstStyle/>
+          <a:p>
+            <a:pPr algn="ctr"/>
+            <a:endParaRPr lang="en-GB"/>
+          </a:p>
+        </p:txBody>
+      </p:sp>
+      <p:pic>
+        <p:nvPicPr>
+          <p:cNvPr id="3" name="Picture 2">
+            <a:extLst>
+              <a:ext uri="{FF2B5EF4-FFF2-40B4-BE49-F238E27FC236}">
+                <a16:creationId xmlns:a16="http://schemas.microsoft.com/office/drawing/2014/main" id="{1E50287A-9655-41B8-8988-C8ACA8A8DC0C}"/>
+              </a:ext>
+            </a:extLst>
+          </p:cNvPr>
+          <p:cNvPicPr>
+            <a:picLocks noChangeAspect="1"/>
+          </p:cNvPicPr>
+          <p:nvPr/>
+        </p:nvPicPr>
+        <p:blipFill>
+          <a:blip r:embed="rId2"/>
+          <a:stretch>
+            <a:fillRect/>
+          </a:stretch>
+        </p:blipFill>
+        <p:spPr>
+          <a:xfrm>
+            <a:off x="4845884" y="0"/>
+            <a:ext cx="2500231" cy="6858000"/>
+          </a:xfrm>
+          <a:prstGeom prst="rect">
+            <a:avLst/>
+          </a:prstGeom>
+        </p:spPr>
+      </p:pic>
+      <p:pic>
+        <p:nvPicPr>
+          <p:cNvPr id="5" name="Picture 4" descr="Timeline&#10;&#10;Description automatically generated">
+            <a:extLst>
+              <a:ext uri="{FF2B5EF4-FFF2-40B4-BE49-F238E27FC236}">
+                <a16:creationId xmlns:a16="http://schemas.microsoft.com/office/drawing/2014/main" id="{134A2204-8562-49E1-8EBC-6D311045879B}"/>
+              </a:ext>
+            </a:extLst>
+          </p:cNvPr>
+          <p:cNvPicPr>
+            <a:picLocks noChangeAspect="1"/>
+          </p:cNvPicPr>
+          <p:nvPr/>
+        </p:nvPicPr>
+        <p:blipFill rotWithShape="1">
+          <a:blip r:embed="rId3">
+            <a:extLst>
+              <a:ext uri="{28A0092B-C50C-407E-A947-70E740481C1C}">
+                <a14:useLocalDpi xmlns:a14="http://schemas.microsoft.com/office/drawing/2010/main" val="0"/>
+              </a:ext>
+            </a:extLst>
+          </a:blip>
+          <a:srcRect b="87793"/>
+          <a:stretch/>
+        </p:blipFill>
+        <p:spPr>
+          <a:xfrm>
+            <a:off x="4845883" y="-616151"/>
+            <a:ext cx="2500231" cy="616151"/>
+          </a:xfrm>
+          <a:prstGeom prst="rect">
+            <a:avLst/>
+          </a:prstGeom>
+        </p:spPr>
+      </p:pic>
+      <p:sp>
+        <p:nvSpPr>
+          <p:cNvPr id="4" name="Rectangle 3">
+            <a:extLst>
+              <a:ext uri="{FF2B5EF4-FFF2-40B4-BE49-F238E27FC236}">
+                <a16:creationId xmlns:a16="http://schemas.microsoft.com/office/drawing/2014/main" id="{0ECEFBD7-9076-4FAB-BCA9-70B2516BDB95}"/>
+              </a:ext>
+            </a:extLst>
+          </p:cNvPr>
+          <p:cNvSpPr/>
+          <p:nvPr/>
+        </p:nvSpPr>
+        <p:spPr>
+          <a:xfrm>
+            <a:off x="5203278" y="-616151"/>
+            <a:ext cx="2142836" cy="616151"/>
+          </a:xfrm>
+          <a:prstGeom prst="rect">
+            <a:avLst/>
+          </a:prstGeom>
+          <a:noFill/>
+          <a:ln w="28575">
+            <a:solidFill>
+              <a:schemeClr val="accent1">
+                <a:lumMod val="60000"/>
+                <a:lumOff val="40000"/>
+              </a:schemeClr>
+            </a:solidFill>
+          </a:ln>
+        </p:spPr>
+        <p:style>
+          <a:lnRef idx="2">
+            <a:schemeClr val="accent1">
+              <a:shade val="50000"/>
+            </a:schemeClr>
+          </a:lnRef>
+          <a:fillRef idx="1">
+            <a:schemeClr val="accent1"/>
+          </a:fillRef>
+          <a:effectRef idx="0">
+            <a:schemeClr val="accent1"/>
+          </a:effectRef>
+          <a:fontRef idx="minor">
+            <a:schemeClr val="lt1"/>
+          </a:fontRef>
+        </p:style>
+        <p:txBody>
+          <a:bodyPr rtlCol="0" anchor="ctr"/>
+          <a:lstStyle/>
+          <a:p>
+            <a:pPr algn="ctr"/>
+            <a:endParaRPr lang="en-GB"/>
+          </a:p>
+        </p:txBody>
+      </p:sp>
+      <p:sp>
+        <p:nvSpPr>
+          <p:cNvPr id="6" name="Rectangle 5">
+            <a:extLst>
+              <a:ext uri="{FF2B5EF4-FFF2-40B4-BE49-F238E27FC236}">
+                <a16:creationId xmlns:a16="http://schemas.microsoft.com/office/drawing/2014/main" id="{92F458D9-6D3C-4876-820A-281DBE432910}"/>
+              </a:ext>
+            </a:extLst>
+          </p:cNvPr>
+          <p:cNvSpPr/>
+          <p:nvPr/>
+        </p:nvSpPr>
+        <p:spPr>
+          <a:xfrm>
+            <a:off x="5203278" y="64655"/>
+            <a:ext cx="2142836" cy="1791853"/>
+          </a:xfrm>
+          <a:prstGeom prst="rect">
+            <a:avLst/>
+          </a:prstGeom>
+          <a:noFill/>
+          <a:ln w="28575">
+            <a:solidFill>
+              <a:schemeClr val="accent4">
+                <a:lumMod val="60000"/>
+                <a:lumOff val="40000"/>
+              </a:schemeClr>
+            </a:solidFill>
+          </a:ln>
+        </p:spPr>
+        <p:style>
+          <a:lnRef idx="2">
+            <a:schemeClr val="accent1">
+              <a:shade val="50000"/>
+            </a:schemeClr>
+          </a:lnRef>
+          <a:fillRef idx="1">
+            <a:schemeClr val="accent1"/>
+          </a:fillRef>
+          <a:effectRef idx="0">
+            <a:schemeClr val="accent1"/>
+          </a:effectRef>
+          <a:fontRef idx="minor">
+            <a:schemeClr val="lt1"/>
+          </a:fontRef>
+        </p:style>
+        <p:txBody>
+          <a:bodyPr rtlCol="0" anchor="ctr"/>
+          <a:lstStyle/>
+          <a:p>
+            <a:pPr algn="ctr"/>
+            <a:endParaRPr lang="en-GB"/>
+          </a:p>
+        </p:txBody>
+      </p:sp>
+      <p:sp>
+        <p:nvSpPr>
+          <p:cNvPr id="7" name="Rectangle 6">
+            <a:extLst>
+              <a:ext uri="{FF2B5EF4-FFF2-40B4-BE49-F238E27FC236}">
+                <a16:creationId xmlns:a16="http://schemas.microsoft.com/office/drawing/2014/main" id="{680EC53B-7211-49F0-A48C-4AF77DCDF67B}"/>
+              </a:ext>
+            </a:extLst>
+          </p:cNvPr>
+          <p:cNvSpPr/>
+          <p:nvPr/>
+        </p:nvSpPr>
+        <p:spPr>
+          <a:xfrm>
+            <a:off x="5203278" y="1921163"/>
+            <a:ext cx="2142836" cy="551496"/>
+          </a:xfrm>
+          <a:prstGeom prst="rect">
+            <a:avLst/>
+          </a:prstGeom>
+          <a:noFill/>
+          <a:ln w="28575">
+            <a:solidFill>
+              <a:srgbClr val="92D050"/>
+            </a:solidFill>
+          </a:ln>
+        </p:spPr>
+        <p:style>
+          <a:lnRef idx="2">
+            <a:schemeClr val="accent1">
+              <a:shade val="50000"/>
+            </a:schemeClr>
+          </a:lnRef>
+          <a:fillRef idx="1">
+            <a:schemeClr val="accent1"/>
+          </a:fillRef>
+          <a:effectRef idx="0">
+            <a:schemeClr val="accent1"/>
+          </a:effectRef>
+          <a:fontRef idx="minor">
+            <a:schemeClr val="lt1"/>
+          </a:fontRef>
+        </p:style>
+        <p:txBody>
+          <a:bodyPr rtlCol="0" anchor="ctr"/>
+          <a:lstStyle/>
+          <a:p>
+            <a:pPr algn="ctr"/>
+            <a:endParaRPr lang="en-GB"/>
+          </a:p>
+        </p:txBody>
+      </p:sp>
+      <p:sp>
+        <p:nvSpPr>
+          <p:cNvPr id="8" name="Rectangle 7">
+            <a:extLst>
+              <a:ext uri="{FF2B5EF4-FFF2-40B4-BE49-F238E27FC236}">
+                <a16:creationId xmlns:a16="http://schemas.microsoft.com/office/drawing/2014/main" id="{8445524A-6BB9-448F-9EFE-C75A9FAEAEFC}"/>
+              </a:ext>
+            </a:extLst>
+          </p:cNvPr>
+          <p:cNvSpPr/>
+          <p:nvPr/>
+        </p:nvSpPr>
+        <p:spPr>
+          <a:xfrm>
+            <a:off x="4845883" y="2537314"/>
+            <a:ext cx="2500230" cy="551496"/>
+          </a:xfrm>
+          <a:prstGeom prst="rect">
+            <a:avLst/>
+          </a:prstGeom>
+          <a:noFill/>
+          <a:ln w="28575">
+            <a:solidFill>
+              <a:schemeClr val="accent1"/>
+            </a:solidFill>
+          </a:ln>
+        </p:spPr>
+        <p:style>
+          <a:lnRef idx="2">
+            <a:schemeClr val="accent1">
+              <a:shade val="50000"/>
+            </a:schemeClr>
+          </a:lnRef>
+          <a:fillRef idx="1">
+            <a:schemeClr val="accent1"/>
+          </a:fillRef>
+          <a:effectRef idx="0">
+            <a:schemeClr val="accent1"/>
+          </a:effectRef>
+          <a:fontRef idx="minor">
+            <a:schemeClr val="lt1"/>
+          </a:fontRef>
+        </p:style>
+        <p:txBody>
+          <a:bodyPr rtlCol="0" anchor="ctr"/>
+          <a:lstStyle/>
+          <a:p>
+            <a:pPr algn="ctr"/>
+            <a:endParaRPr lang="en-GB"/>
+          </a:p>
+        </p:txBody>
+      </p:sp>
+      <p:sp>
+        <p:nvSpPr>
+          <p:cNvPr id="9" name="Rectangle 8">
+            <a:extLst>
+              <a:ext uri="{FF2B5EF4-FFF2-40B4-BE49-F238E27FC236}">
+                <a16:creationId xmlns:a16="http://schemas.microsoft.com/office/drawing/2014/main" id="{6E17B974-ED5E-4BA0-B148-065C3ABCBCF1}"/>
+              </a:ext>
+            </a:extLst>
+          </p:cNvPr>
+          <p:cNvSpPr/>
+          <p:nvPr/>
+        </p:nvSpPr>
+        <p:spPr>
+          <a:xfrm>
+            <a:off x="5203277" y="3153465"/>
+            <a:ext cx="2142836" cy="516271"/>
+          </a:xfrm>
+          <a:prstGeom prst="rect">
+            <a:avLst/>
+          </a:prstGeom>
+          <a:noFill/>
+          <a:ln w="28575">
+            <a:solidFill>
+              <a:srgbClr val="00B0F0"/>
+            </a:solidFill>
+          </a:ln>
+        </p:spPr>
+        <p:style>
+          <a:lnRef idx="2">
+            <a:schemeClr val="accent1">
+              <a:shade val="50000"/>
+            </a:schemeClr>
+          </a:lnRef>
+          <a:fillRef idx="1">
+            <a:schemeClr val="accent1"/>
+          </a:fillRef>
+          <a:effectRef idx="0">
+            <a:schemeClr val="accent1"/>
+          </a:effectRef>
+          <a:fontRef idx="minor">
+            <a:schemeClr val="lt1"/>
+          </a:fontRef>
+        </p:style>
+        <p:txBody>
+          <a:bodyPr rtlCol="0" anchor="ctr"/>
+          <a:lstStyle/>
+          <a:p>
+            <a:pPr algn="ctr"/>
+            <a:endParaRPr lang="en-GB"/>
+          </a:p>
+        </p:txBody>
+      </p:sp>
+      <p:sp>
+        <p:nvSpPr>
+          <p:cNvPr id="10" name="Rectangle 9">
+            <a:extLst>
+              <a:ext uri="{FF2B5EF4-FFF2-40B4-BE49-F238E27FC236}">
+                <a16:creationId xmlns:a16="http://schemas.microsoft.com/office/drawing/2014/main" id="{DEA620F8-BF45-4286-9FA8-590D1CFA8D4F}"/>
+              </a:ext>
+            </a:extLst>
+          </p:cNvPr>
+          <p:cNvSpPr/>
+          <p:nvPr/>
+        </p:nvSpPr>
+        <p:spPr>
+          <a:xfrm>
+            <a:off x="4845881" y="3704962"/>
+            <a:ext cx="2500232" cy="1305012"/>
+          </a:xfrm>
+          <a:prstGeom prst="rect">
+            <a:avLst/>
+          </a:prstGeom>
+          <a:noFill/>
+          <a:ln w="28575">
+            <a:solidFill>
+              <a:srgbClr val="7030A0"/>
+            </a:solidFill>
+          </a:ln>
+        </p:spPr>
+        <p:style>
+          <a:lnRef idx="2">
+            <a:schemeClr val="accent1">
+              <a:shade val="50000"/>
+            </a:schemeClr>
+          </a:lnRef>
+          <a:fillRef idx="1">
+            <a:schemeClr val="accent1"/>
+          </a:fillRef>
+          <a:effectRef idx="0">
+            <a:schemeClr val="accent1"/>
+          </a:effectRef>
+          <a:fontRef idx="minor">
+            <a:schemeClr val="lt1"/>
+          </a:fontRef>
+        </p:style>
+        <p:txBody>
+          <a:bodyPr rtlCol="0" anchor="ctr"/>
+          <a:lstStyle/>
+          <a:p>
+            <a:pPr algn="ctr"/>
+            <a:endParaRPr lang="en-GB"/>
+          </a:p>
+        </p:txBody>
+      </p:sp>
+      <p:sp>
+        <p:nvSpPr>
+          <p:cNvPr id="11" name="Rectangle 10">
+            <a:extLst>
+              <a:ext uri="{FF2B5EF4-FFF2-40B4-BE49-F238E27FC236}">
+                <a16:creationId xmlns:a16="http://schemas.microsoft.com/office/drawing/2014/main" id="{B144DA34-5CEF-4933-9675-97184AE45FC1}"/>
+              </a:ext>
+            </a:extLst>
+          </p:cNvPr>
+          <p:cNvSpPr/>
+          <p:nvPr/>
+        </p:nvSpPr>
+        <p:spPr>
+          <a:xfrm>
+            <a:off x="4845881" y="5045200"/>
+            <a:ext cx="2500232" cy="580924"/>
+          </a:xfrm>
+          <a:prstGeom prst="rect">
+            <a:avLst/>
+          </a:prstGeom>
+          <a:noFill/>
+          <a:ln w="28575">
+            <a:solidFill>
+              <a:schemeClr val="tx2">
+                <a:lumMod val="60000"/>
+                <a:lumOff val="40000"/>
+              </a:schemeClr>
+            </a:solidFill>
+          </a:ln>
+        </p:spPr>
+        <p:style>
+          <a:lnRef idx="2">
+            <a:schemeClr val="accent1">
+              <a:shade val="50000"/>
+            </a:schemeClr>
+          </a:lnRef>
+          <a:fillRef idx="1">
+            <a:schemeClr val="accent1"/>
+          </a:fillRef>
+          <a:effectRef idx="0">
+            <a:schemeClr val="accent1"/>
+          </a:effectRef>
+          <a:fontRef idx="minor">
+            <a:schemeClr val="lt1"/>
+          </a:fontRef>
+        </p:style>
+        <p:txBody>
+          <a:bodyPr rtlCol="0" anchor="ctr"/>
+          <a:lstStyle/>
+          <a:p>
+            <a:pPr algn="ctr"/>
+            <a:endParaRPr lang="en-GB"/>
+          </a:p>
+        </p:txBody>
+      </p:sp>
+      <p:sp>
+        <p:nvSpPr>
+          <p:cNvPr id="12" name="Rectangle 11">
+            <a:extLst>
+              <a:ext uri="{FF2B5EF4-FFF2-40B4-BE49-F238E27FC236}">
+                <a16:creationId xmlns:a16="http://schemas.microsoft.com/office/drawing/2014/main" id="{0412AE3F-ACF2-48AB-B8BF-E916AE16363B}"/>
+              </a:ext>
+            </a:extLst>
+          </p:cNvPr>
+          <p:cNvSpPr/>
+          <p:nvPr/>
+        </p:nvSpPr>
+        <p:spPr>
+          <a:xfrm>
+            <a:off x="4711615" y="5725790"/>
+            <a:ext cx="2768764" cy="1132210"/>
+          </a:xfrm>
+          <a:prstGeom prst="rect">
+            <a:avLst/>
+          </a:prstGeom>
+          <a:noFill/>
+          <a:ln w="28575">
+            <a:solidFill>
+              <a:srgbClr val="FFFF00"/>
+            </a:solidFill>
+          </a:ln>
+        </p:spPr>
+        <p:style>
+          <a:lnRef idx="2">
+            <a:schemeClr val="accent1">
+              <a:shade val="50000"/>
+            </a:schemeClr>
+          </a:lnRef>
+          <a:fillRef idx="1">
+            <a:schemeClr val="accent1"/>
+          </a:fillRef>
+          <a:effectRef idx="0">
+            <a:schemeClr val="accent1"/>
+          </a:effectRef>
+          <a:fontRef idx="minor">
+            <a:schemeClr val="lt1"/>
+          </a:fontRef>
+        </p:style>
+        <p:txBody>
+          <a:bodyPr rtlCol="0" anchor="ctr"/>
+          <a:lstStyle/>
+          <a:p>
+            <a:pPr algn="ctr"/>
+            <a:endParaRPr lang="en-GB"/>
+          </a:p>
+        </p:txBody>
+      </p:sp>
+      <p:sp>
+        <p:nvSpPr>
+          <p:cNvPr id="13" name="TextBox 12">
+            <a:extLst>
+              <a:ext uri="{FF2B5EF4-FFF2-40B4-BE49-F238E27FC236}">
+                <a16:creationId xmlns:a16="http://schemas.microsoft.com/office/drawing/2014/main" id="{707C3635-0AEE-4C92-9E40-61B10CC23974}"/>
+              </a:ext>
+            </a:extLst>
+          </p:cNvPr>
+          <p:cNvSpPr txBox="1"/>
+          <p:nvPr/>
+        </p:nvSpPr>
+        <p:spPr>
+          <a:xfrm>
+            <a:off x="4844884" y="-694913"/>
+            <a:ext cx="359394" cy="369332"/>
+          </a:xfrm>
+          <a:prstGeom prst="rect">
+            <a:avLst/>
+          </a:prstGeom>
+          <a:noFill/>
+        </p:spPr>
+        <p:txBody>
+          <a:bodyPr wrap="none" rtlCol="0">
+            <a:spAutoFit/>
+          </a:bodyPr>
+          <a:lstStyle/>
+          <a:p>
+            <a:r>
+              <a:rPr lang="en-US" dirty="0"/>
+              <a:t>1.</a:t>
+            </a:r>
+            <a:endParaRPr lang="en-GB" dirty="0"/>
+          </a:p>
+        </p:txBody>
+      </p:sp>
+      <p:sp>
+        <p:nvSpPr>
+          <p:cNvPr id="14" name="TextBox 13">
+            <a:extLst>
+              <a:ext uri="{FF2B5EF4-FFF2-40B4-BE49-F238E27FC236}">
+                <a16:creationId xmlns:a16="http://schemas.microsoft.com/office/drawing/2014/main" id="{F301DEA1-6628-4FD2-A3F0-702982E30FAE}"/>
+              </a:ext>
+            </a:extLst>
+          </p:cNvPr>
+          <p:cNvSpPr txBox="1"/>
+          <p:nvPr/>
+        </p:nvSpPr>
+        <p:spPr>
+          <a:xfrm>
+            <a:off x="4844884" y="-42278"/>
+            <a:ext cx="359394" cy="369332"/>
+          </a:xfrm>
+          <a:prstGeom prst="rect">
+            <a:avLst/>
+          </a:prstGeom>
+          <a:noFill/>
+        </p:spPr>
+        <p:txBody>
+          <a:bodyPr wrap="none" rtlCol="0">
+            <a:spAutoFit/>
+          </a:bodyPr>
+          <a:lstStyle/>
+          <a:p>
+            <a:r>
+              <a:rPr lang="en-US" dirty="0"/>
+              <a:t>2.</a:t>
+            </a:r>
+            <a:endParaRPr lang="en-GB" dirty="0"/>
+          </a:p>
+        </p:txBody>
+      </p:sp>
+      <p:sp>
+        <p:nvSpPr>
+          <p:cNvPr id="15" name="TextBox 14">
+            <a:extLst>
+              <a:ext uri="{FF2B5EF4-FFF2-40B4-BE49-F238E27FC236}">
+                <a16:creationId xmlns:a16="http://schemas.microsoft.com/office/drawing/2014/main" id="{9163972E-C218-4602-AC66-9FF284DA7038}"/>
+              </a:ext>
+            </a:extLst>
+          </p:cNvPr>
+          <p:cNvSpPr txBox="1"/>
+          <p:nvPr/>
+        </p:nvSpPr>
+        <p:spPr>
+          <a:xfrm>
+            <a:off x="4844884" y="1845122"/>
+            <a:ext cx="359394" cy="369332"/>
+          </a:xfrm>
+          <a:prstGeom prst="rect">
+            <a:avLst/>
+          </a:prstGeom>
+          <a:noFill/>
+        </p:spPr>
+        <p:txBody>
+          <a:bodyPr wrap="none" rtlCol="0">
+            <a:spAutoFit/>
+          </a:bodyPr>
+          <a:lstStyle/>
+          <a:p>
+            <a:r>
+              <a:rPr lang="en-US" dirty="0"/>
+              <a:t>3.</a:t>
+            </a:r>
+            <a:endParaRPr lang="en-GB" dirty="0"/>
+          </a:p>
+        </p:txBody>
+      </p:sp>
+      <p:sp>
+        <p:nvSpPr>
+          <p:cNvPr id="16" name="TextBox 15">
+            <a:extLst>
+              <a:ext uri="{FF2B5EF4-FFF2-40B4-BE49-F238E27FC236}">
+                <a16:creationId xmlns:a16="http://schemas.microsoft.com/office/drawing/2014/main" id="{4D4D52CB-1EDF-4EBE-B421-315EA37C6011}"/>
+              </a:ext>
+            </a:extLst>
+          </p:cNvPr>
+          <p:cNvSpPr txBox="1"/>
+          <p:nvPr/>
+        </p:nvSpPr>
+        <p:spPr>
+          <a:xfrm>
+            <a:off x="4531918" y="2492269"/>
+            <a:ext cx="359394" cy="369332"/>
+          </a:xfrm>
+          <a:prstGeom prst="rect">
+            <a:avLst/>
+          </a:prstGeom>
+          <a:noFill/>
+        </p:spPr>
+        <p:txBody>
+          <a:bodyPr wrap="none" rtlCol="0">
+            <a:spAutoFit/>
+          </a:bodyPr>
+          <a:lstStyle/>
+          <a:p>
+            <a:r>
+              <a:rPr lang="en-US" dirty="0"/>
+              <a:t>4.</a:t>
+            </a:r>
+            <a:endParaRPr lang="en-GB" dirty="0"/>
+          </a:p>
+        </p:txBody>
+      </p:sp>
+      <p:sp>
+        <p:nvSpPr>
+          <p:cNvPr id="17" name="TextBox 16">
+            <a:extLst>
+              <a:ext uri="{FF2B5EF4-FFF2-40B4-BE49-F238E27FC236}">
+                <a16:creationId xmlns:a16="http://schemas.microsoft.com/office/drawing/2014/main" id="{B530531A-A9C6-4FA8-B010-147C4B19630A}"/>
+              </a:ext>
+            </a:extLst>
+          </p:cNvPr>
+          <p:cNvSpPr txBox="1"/>
+          <p:nvPr/>
+        </p:nvSpPr>
+        <p:spPr>
+          <a:xfrm>
+            <a:off x="4909403" y="3072317"/>
+            <a:ext cx="359394" cy="369332"/>
+          </a:xfrm>
+          <a:prstGeom prst="rect">
+            <a:avLst/>
+          </a:prstGeom>
+          <a:noFill/>
+        </p:spPr>
+        <p:txBody>
+          <a:bodyPr wrap="none" rtlCol="0">
+            <a:spAutoFit/>
+          </a:bodyPr>
+          <a:lstStyle/>
+          <a:p>
+            <a:r>
+              <a:rPr lang="en-US" dirty="0"/>
+              <a:t>5.</a:t>
+            </a:r>
+            <a:endParaRPr lang="en-GB" dirty="0"/>
+          </a:p>
+        </p:txBody>
+      </p:sp>
+      <p:sp>
+        <p:nvSpPr>
+          <p:cNvPr id="18" name="TextBox 17">
+            <a:extLst>
+              <a:ext uri="{FF2B5EF4-FFF2-40B4-BE49-F238E27FC236}">
+                <a16:creationId xmlns:a16="http://schemas.microsoft.com/office/drawing/2014/main" id="{ADCD53E8-387E-458D-9125-C2E8F6D1F8D9}"/>
+              </a:ext>
+            </a:extLst>
+          </p:cNvPr>
+          <p:cNvSpPr txBox="1"/>
+          <p:nvPr/>
+        </p:nvSpPr>
+        <p:spPr>
+          <a:xfrm>
+            <a:off x="4482064" y="3641693"/>
+            <a:ext cx="359394" cy="369332"/>
+          </a:xfrm>
+          <a:prstGeom prst="rect">
+            <a:avLst/>
+          </a:prstGeom>
+          <a:noFill/>
+        </p:spPr>
+        <p:txBody>
+          <a:bodyPr wrap="none" rtlCol="0">
+            <a:spAutoFit/>
+          </a:bodyPr>
+          <a:lstStyle/>
+          <a:p>
+            <a:r>
+              <a:rPr lang="en-US" dirty="0"/>
+              <a:t>6.</a:t>
+            </a:r>
+            <a:endParaRPr lang="en-GB" dirty="0"/>
+          </a:p>
+        </p:txBody>
+      </p:sp>
+      <p:sp>
+        <p:nvSpPr>
+          <p:cNvPr id="19" name="TextBox 18">
+            <a:extLst>
+              <a:ext uri="{FF2B5EF4-FFF2-40B4-BE49-F238E27FC236}">
+                <a16:creationId xmlns:a16="http://schemas.microsoft.com/office/drawing/2014/main" id="{168753D8-EF62-4B85-8611-6EE9F7185F46}"/>
+              </a:ext>
+            </a:extLst>
+          </p:cNvPr>
+          <p:cNvSpPr txBox="1"/>
+          <p:nvPr/>
+        </p:nvSpPr>
+        <p:spPr>
+          <a:xfrm>
+            <a:off x="4482064" y="4991618"/>
+            <a:ext cx="359394" cy="369332"/>
+          </a:xfrm>
+          <a:prstGeom prst="rect">
+            <a:avLst/>
+          </a:prstGeom>
+          <a:noFill/>
+        </p:spPr>
+        <p:txBody>
+          <a:bodyPr wrap="none" rtlCol="0">
+            <a:spAutoFit/>
+          </a:bodyPr>
+          <a:lstStyle/>
+          <a:p>
+            <a:r>
+              <a:rPr lang="en-US" dirty="0"/>
+              <a:t>7.</a:t>
+            </a:r>
+            <a:endParaRPr lang="en-GB" dirty="0"/>
+          </a:p>
+        </p:txBody>
+      </p:sp>
+      <p:sp>
+        <p:nvSpPr>
+          <p:cNvPr id="20" name="TextBox 19">
+            <a:extLst>
+              <a:ext uri="{FF2B5EF4-FFF2-40B4-BE49-F238E27FC236}">
+                <a16:creationId xmlns:a16="http://schemas.microsoft.com/office/drawing/2014/main" id="{A5971BB8-5BF5-4BAA-AF3A-5362FBAC11FB}"/>
+              </a:ext>
+            </a:extLst>
+          </p:cNvPr>
+          <p:cNvSpPr txBox="1"/>
+          <p:nvPr/>
+        </p:nvSpPr>
+        <p:spPr>
+          <a:xfrm>
+            <a:off x="4329504" y="5679451"/>
+            <a:ext cx="359394" cy="369332"/>
+          </a:xfrm>
+          <a:prstGeom prst="rect">
+            <a:avLst/>
+          </a:prstGeom>
+          <a:noFill/>
+        </p:spPr>
+        <p:txBody>
+          <a:bodyPr wrap="none" rtlCol="0">
+            <a:spAutoFit/>
+          </a:bodyPr>
+          <a:lstStyle/>
+          <a:p>
+            <a:r>
+              <a:rPr lang="en-US" dirty="0"/>
+              <a:t>8.</a:t>
+            </a:r>
+            <a:endParaRPr lang="en-GB" dirty="0"/>
+          </a:p>
+        </p:txBody>
+      </p:sp>
     </p:spTree>
     <p:extLst>
       <p:ext uri="{BB962C8B-B14F-4D97-AF65-F5344CB8AC3E}">
